--- a/ppts/05_Userinterface.pptx
+++ b/ppts/05_Userinterface.pptx
@@ -5,10 +5,10 @@
     <p:sldMasterId id="2147483686" r:id="rId1"/>
   </p:sldMasterIdLst>
   <p:notesMasterIdLst>
-    <p:notesMasterId r:id="rId37"/>
+    <p:notesMasterId r:id="rId38"/>
   </p:notesMasterIdLst>
   <p:handoutMasterIdLst>
-    <p:handoutMasterId r:id="rId38"/>
+    <p:handoutMasterId r:id="rId39"/>
   </p:handoutMasterIdLst>
   <p:sldIdLst>
     <p:sldId id="1175" r:id="rId2"/>
@@ -46,6 +46,7 @@
     <p:sldId id="1232" r:id="rId34"/>
     <p:sldId id="1233" r:id="rId35"/>
     <p:sldId id="1212" r:id="rId36"/>
+    <p:sldId id="1235" r:id="rId37"/>
   </p:sldIdLst>
   <p:sldSz cx="9144000" cy="6858000" type="screen4x3"/>
   <p:notesSz cx="6797675" cy="9926638"/>
@@ -314,7 +315,7 @@
               <a:pPr>
                 <a:defRPr/>
               </a:pPr>
-              <a:t>15.04.2023</a:t>
+              <a:t>18.04.2023</a:t>
             </a:fld>
             <a:endParaRPr lang="de-AT"/>
           </a:p>
@@ -529,7 +530,7 @@
               <a:pPr>
                 <a:defRPr/>
               </a:pPr>
-              <a:t>15.04.2023</a:t>
+              <a:t>18.04.2023</a:t>
             </a:fld>
             <a:endParaRPr lang="de-AT"/>
           </a:p>
@@ -5892,7 +5893,12 @@
             <p:ph type="body" sz="quarter" idx="10"/>
           </p:nvPr>
         </p:nvSpPr>
-        <p:spPr/>
+        <p:spPr>
+          <a:xfrm>
+            <a:off x="457200" y="1268413"/>
+            <a:ext cx="8207375" cy="4608165"/>
+          </a:xfrm>
+        </p:spPr>
         <p:txBody>
           <a:bodyPr/>
           <a:lstStyle/>
@@ -5946,12 +5952,152 @@
             <a:pPr lvl="1"/>
             <a:endParaRPr lang="de-AT" dirty="0"/>
           </a:p>
+          <a:p>
+            <a:pPr lvl="1"/>
+            <a:r>
+              <a:rPr lang="de-AT" dirty="0"/>
+              <a:t>47 66 38</a:t>
+            </a:r>
+          </a:p>
+          <a:p>
+            <a:pPr lvl="1"/>
+            <a:r>
+              <a:rPr lang="de-AT" dirty="0"/>
+              <a:t>14 33 76</a:t>
+            </a:r>
+          </a:p>
+          <a:p>
+            <a:pPr lvl="1"/>
+            <a:r>
+              <a:rPr lang="de-AT" dirty="0"/>
+              <a:t>450m</a:t>
+            </a:r>
+          </a:p>
+          <a:p>
+            <a:pPr lvl="1"/>
+            <a:endParaRPr lang="de-AT" dirty="0"/>
+          </a:p>
         </p:txBody>
       </p:sp>
     </p:spTree>
     <p:extLst>
       <p:ext uri="{BB962C8B-B14F-4D97-AF65-F5344CB8AC3E}">
         <p14:creationId xmlns:p14="http://schemas.microsoft.com/office/powerpoint/2010/main" val="2411021500"/>
+      </p:ext>
+    </p:extLst>
+  </p:cSld>
+  <p:clrMapOvr>
+    <a:masterClrMapping/>
+  </p:clrMapOvr>
+</p:sld>
+</file>
+
+<file path=ppt/slides/slide36.xml><?xml version="1.0" encoding="utf-8"?>
+<p:sld xmlns:a="http://schemas.openxmlformats.org/drawingml/2006/main" xmlns:r="http://schemas.openxmlformats.org/officeDocument/2006/relationships" xmlns:p="http://schemas.openxmlformats.org/presentationml/2006/main">
+  <p:cSld>
+    <p:spTree>
+      <p:nvGrpSpPr>
+        <p:cNvPr id="1" name=""/>
+        <p:cNvGrpSpPr/>
+        <p:nvPr/>
+      </p:nvGrpSpPr>
+      <p:grpSpPr>
+        <a:xfrm>
+          <a:off x="0" y="0"/>
+          <a:ext cx="0" cy="0"/>
+          <a:chOff x="0" y="0"/>
+          <a:chExt cx="0" cy="0"/>
+        </a:xfrm>
+      </p:grpSpPr>
+      <p:sp>
+        <p:nvSpPr>
+          <p:cNvPr id="2" name="Titel 1">
+            <a:extLst>
+              <a:ext uri="{FF2B5EF4-FFF2-40B4-BE49-F238E27FC236}">
+                <a16:creationId xmlns:a16="http://schemas.microsoft.com/office/drawing/2014/main" id="{03DC939A-C399-5BE0-B772-26F68CFF360A}"/>
+              </a:ext>
+            </a:extLst>
+          </p:cNvPr>
+          <p:cNvSpPr>
+            <a:spLocks noGrp="1"/>
+          </p:cNvSpPr>
+          <p:nvPr>
+            <p:ph type="title"/>
+          </p:nvPr>
+        </p:nvSpPr>
+        <p:spPr/>
+        <p:txBody>
+          <a:bodyPr/>
+          <a:lstStyle/>
+          <a:p>
+            <a:endParaRPr lang="de-AT"/>
+          </a:p>
+        </p:txBody>
+      </p:sp>
+      <p:sp>
+        <p:nvSpPr>
+          <p:cNvPr id="3" name="Textplatzhalter 2">
+            <a:extLst>
+              <a:ext uri="{FF2B5EF4-FFF2-40B4-BE49-F238E27FC236}">
+                <a16:creationId xmlns:a16="http://schemas.microsoft.com/office/drawing/2014/main" id="{641CE3BB-33EB-195E-96E7-2FDD6B25B379}"/>
+              </a:ext>
+            </a:extLst>
+          </p:cNvPr>
+          <p:cNvSpPr>
+            <a:spLocks noGrp="1"/>
+          </p:cNvSpPr>
+          <p:nvPr>
+            <p:ph type="body" sz="quarter" idx="10"/>
+          </p:nvPr>
+        </p:nvSpPr>
+        <p:spPr/>
+        <p:txBody>
+          <a:bodyPr/>
+          <a:lstStyle/>
+          <a:p>
+            <a:r>
+              <a:rPr lang="de-AT" dirty="0"/>
+              <a:t> {{ </a:t>
+            </a:r>
+            <a:r>
+              <a:rPr lang="de-AT" dirty="0" err="1"/>
+              <a:t>state_attr</a:t>
+            </a:r>
+            <a:r>
+              <a:rPr lang="de-AT" dirty="0"/>
+              <a:t>('weather.forecast_leo01_home', '</a:t>
+            </a:r>
+            <a:r>
+              <a:rPr lang="de-AT" dirty="0" err="1"/>
+              <a:t>temperature</a:t>
+            </a:r>
+            <a:r>
+              <a:rPr lang="de-AT" dirty="0"/>
+              <a:t>') }} {{ </a:t>
+            </a:r>
+            <a:r>
+              <a:rPr lang="de-AT" dirty="0" err="1"/>
+              <a:t>state_attr</a:t>
+            </a:r>
+            <a:r>
+              <a:rPr lang="de-AT" dirty="0"/>
+              <a:t>('weather.forecast_leo01_home', '</a:t>
+            </a:r>
+            <a:r>
+              <a:rPr lang="de-AT" dirty="0" err="1"/>
+              <a:t>temperature_unit</a:t>
+            </a:r>
+            <a:r>
+              <a:rPr lang="de-AT" dirty="0"/>
+              <a:t>') }}</a:t>
+            </a:r>
+          </a:p>
+        </p:txBody>
+      </p:sp>
+    </p:spTree>
+    <p:extLst>
+      <p:ext uri="{BB962C8B-B14F-4D97-AF65-F5344CB8AC3E}">
+        <p14:creationId xmlns:p14="http://schemas.microsoft.com/office/powerpoint/2010/main" val="3605971961"/>
       </p:ext>
     </p:extLst>
   </p:cSld>
